--- a/podo구성안.pptx
+++ b/podo구성안.pptx
@@ -9,10 +9,9 @@
     <p:sldId id="257" r:id="rId3"/>
     <p:sldId id="258" r:id="rId4"/>
     <p:sldId id="259" r:id="rId5"/>
-    <p:sldId id="260" r:id="rId6"/>
-    <p:sldId id="261" r:id="rId7"/>
-    <p:sldId id="262" r:id="rId8"/>
-    <p:sldId id="263" r:id="rId9"/>
+    <p:sldId id="261" r:id="rId6"/>
+    <p:sldId id="262" r:id="rId7"/>
+    <p:sldId id="263" r:id="rId8"/>
   </p:sldIdLst>
   <p:sldSz cx="9144000" cy="6858000" type="screen4x3"/>
   <p:notesSz cx="6858000" cy="9144000"/>
@@ -111,6 +110,11 @@
       </a:defRPr>
     </a:lvl9pPr>
   </p:defaultTextStyle>
+  <p:extLst>
+    <p:ext uri="{EFAFB233-063F-42B5-8137-9DF3F51BA10A}">
+      <p15:sldGuideLst xmlns:p15="http://schemas.microsoft.com/office/powerpoint/2012/main"/>
+    </p:ext>
+  </p:extLst>
 </p:presentation>
 </file>
 
@@ -257,7 +261,7 @@
           <a:p>
             <a:fld id="{D228A995-0007-4226-AC0C-30BE480AD2C8}" type="datetimeFigureOut">
               <a:rPr lang="ko-KR" altLang="en-US" smtClean="0"/>
-              <a:t>2021-05-18</a:t>
+              <a:t>2021-05-25</a:t>
             </a:fld>
             <a:endParaRPr lang="ko-KR" altLang="en-US"/>
           </a:p>
@@ -427,7 +431,7 @@
           <a:p>
             <a:fld id="{D228A995-0007-4226-AC0C-30BE480AD2C8}" type="datetimeFigureOut">
               <a:rPr lang="ko-KR" altLang="en-US" smtClean="0"/>
-              <a:t>2021-05-18</a:t>
+              <a:t>2021-05-25</a:t>
             </a:fld>
             <a:endParaRPr lang="ko-KR" altLang="en-US"/>
           </a:p>
@@ -607,7 +611,7 @@
           <a:p>
             <a:fld id="{D228A995-0007-4226-AC0C-30BE480AD2C8}" type="datetimeFigureOut">
               <a:rPr lang="ko-KR" altLang="en-US" smtClean="0"/>
-              <a:t>2021-05-18</a:t>
+              <a:t>2021-05-25</a:t>
             </a:fld>
             <a:endParaRPr lang="ko-KR" altLang="en-US"/>
           </a:p>
@@ -777,7 +781,7 @@
           <a:p>
             <a:fld id="{D228A995-0007-4226-AC0C-30BE480AD2C8}" type="datetimeFigureOut">
               <a:rPr lang="ko-KR" altLang="en-US" smtClean="0"/>
-              <a:t>2021-05-18</a:t>
+              <a:t>2021-05-25</a:t>
             </a:fld>
             <a:endParaRPr lang="ko-KR" altLang="en-US"/>
           </a:p>
@@ -1021,7 +1025,7 @@
           <a:p>
             <a:fld id="{D228A995-0007-4226-AC0C-30BE480AD2C8}" type="datetimeFigureOut">
               <a:rPr lang="ko-KR" altLang="en-US" smtClean="0"/>
-              <a:t>2021-05-18</a:t>
+              <a:t>2021-05-25</a:t>
             </a:fld>
             <a:endParaRPr lang="ko-KR" altLang="en-US"/>
           </a:p>
@@ -1253,7 +1257,7 @@
           <a:p>
             <a:fld id="{D228A995-0007-4226-AC0C-30BE480AD2C8}" type="datetimeFigureOut">
               <a:rPr lang="ko-KR" altLang="en-US" smtClean="0"/>
-              <a:t>2021-05-18</a:t>
+              <a:t>2021-05-25</a:t>
             </a:fld>
             <a:endParaRPr lang="ko-KR" altLang="en-US"/>
           </a:p>
@@ -1620,7 +1624,7 @@
           <a:p>
             <a:fld id="{D228A995-0007-4226-AC0C-30BE480AD2C8}" type="datetimeFigureOut">
               <a:rPr lang="ko-KR" altLang="en-US" smtClean="0"/>
-              <a:t>2021-05-18</a:t>
+              <a:t>2021-05-25</a:t>
             </a:fld>
             <a:endParaRPr lang="ko-KR" altLang="en-US"/>
           </a:p>
@@ -1738,7 +1742,7 @@
           <a:p>
             <a:fld id="{D228A995-0007-4226-AC0C-30BE480AD2C8}" type="datetimeFigureOut">
               <a:rPr lang="ko-KR" altLang="en-US" smtClean="0"/>
-              <a:t>2021-05-18</a:t>
+              <a:t>2021-05-25</a:t>
             </a:fld>
             <a:endParaRPr lang="ko-KR" altLang="en-US"/>
           </a:p>
@@ -1833,7 +1837,7 @@
           <a:p>
             <a:fld id="{D228A995-0007-4226-AC0C-30BE480AD2C8}" type="datetimeFigureOut">
               <a:rPr lang="ko-KR" altLang="en-US" smtClean="0"/>
-              <a:t>2021-05-18</a:t>
+              <a:t>2021-05-25</a:t>
             </a:fld>
             <a:endParaRPr lang="ko-KR" altLang="en-US"/>
           </a:p>
@@ -2110,7 +2114,7 @@
           <a:p>
             <a:fld id="{D228A995-0007-4226-AC0C-30BE480AD2C8}" type="datetimeFigureOut">
               <a:rPr lang="ko-KR" altLang="en-US" smtClean="0"/>
-              <a:t>2021-05-18</a:t>
+              <a:t>2021-05-25</a:t>
             </a:fld>
             <a:endParaRPr lang="ko-KR" altLang="en-US"/>
           </a:p>
@@ -2367,7 +2371,7 @@
           <a:p>
             <a:fld id="{D228A995-0007-4226-AC0C-30BE480AD2C8}" type="datetimeFigureOut">
               <a:rPr lang="ko-KR" altLang="en-US" smtClean="0"/>
-              <a:t>2021-05-18</a:t>
+              <a:t>2021-05-25</a:t>
             </a:fld>
             <a:endParaRPr lang="ko-KR" altLang="en-US"/>
           </a:p>
@@ -2580,7 +2584,7 @@
           <a:p>
             <a:fld id="{D228A995-0007-4226-AC0C-30BE480AD2C8}" type="datetimeFigureOut">
               <a:rPr lang="ko-KR" altLang="en-US" smtClean="0"/>
-              <a:t>2021-05-18</a:t>
+              <a:t>2021-05-25</a:t>
             </a:fld>
             <a:endParaRPr lang="ko-KR" altLang="en-US"/>
           </a:p>
@@ -3335,48 +3339,92 @@
           <a:chExt cx="0" cy="0"/>
         </a:xfrm>
       </p:grpSpPr>
-      <p:sp>
-        <p:nvSpPr>
-          <p:cNvPr id="2" name="제목 1"/>
-          <p:cNvSpPr>
-            <a:spLocks noGrp="1"/>
-          </p:cNvSpPr>
-          <p:nvPr>
-            <p:ph type="title"/>
-          </p:nvPr>
-        </p:nvSpPr>
-        <p:spPr/>
-        <p:txBody>
-          <a:bodyPr/>
-          <a:lstStyle/>
-          <a:p>
-            <a:endParaRPr lang="ko-KR" altLang="en-US"/>
-          </a:p>
-        </p:txBody>
-      </p:sp>
-      <p:sp>
-        <p:nvSpPr>
-          <p:cNvPr id="3" name="내용 개체 틀 2"/>
-          <p:cNvSpPr>
-            <a:spLocks noGrp="1"/>
-          </p:cNvSpPr>
-          <p:nvPr>
-            <p:ph idx="1"/>
-          </p:nvPr>
-        </p:nvSpPr>
-        <p:spPr/>
-        <p:txBody>
-          <a:bodyPr/>
-          <a:lstStyle/>
-          <a:p>
-            <a:endParaRPr lang="ko-KR" altLang="en-US"/>
+      <p:pic>
+        <p:nvPicPr>
+          <p:cNvPr id="4" name="그림 3"/>
+          <p:cNvPicPr>
+            <a:picLocks noChangeAspect="1"/>
+          </p:cNvPicPr>
+          <p:nvPr/>
+        </p:nvPicPr>
+        <p:blipFill>
+          <a:blip r:embed="rId2"/>
+          <a:stretch>
+            <a:fillRect/>
+          </a:stretch>
+        </p:blipFill>
+        <p:spPr>
+          <a:xfrm>
+            <a:off x="0" y="1288117"/>
+            <a:ext cx="5334000" cy="3915896"/>
+          </a:xfrm>
+          <a:prstGeom prst="rect">
+            <a:avLst/>
+          </a:prstGeom>
+        </p:spPr>
+      </p:pic>
+      <p:sp>
+        <p:nvSpPr>
+          <p:cNvPr id="5" name="TextBox 4"/>
+          <p:cNvSpPr txBox="1"/>
+          <p:nvPr/>
+        </p:nvSpPr>
+        <p:spPr>
+          <a:xfrm>
+            <a:off x="5513294" y="1479176"/>
+            <a:ext cx="3307977" cy="1200329"/>
+          </a:xfrm>
+          <a:prstGeom prst="rect">
+            <a:avLst/>
+          </a:prstGeom>
+          <a:noFill/>
+        </p:spPr>
+        <p:txBody>
+          <a:bodyPr wrap="square" rtlCol="0">
+            <a:spAutoFit/>
+          </a:bodyPr>
+          <a:lstStyle/>
+          <a:p>
+            <a:r>
+              <a:rPr lang="en-US" altLang="ko-KR" dirty="0" smtClean="0"/>
+              <a:t>DB</a:t>
+            </a:r>
+          </a:p>
+          <a:p>
+            <a:endParaRPr lang="en-US" altLang="ko-KR" dirty="0" smtClean="0"/>
+          </a:p>
+          <a:p>
+            <a:r>
+              <a:rPr lang="ko-KR" altLang="en-US" dirty="0" smtClean="0"/>
+              <a:t>폴더 추가</a:t>
+            </a:r>
+            <a:endParaRPr lang="en-US" altLang="ko-KR" dirty="0"/>
+          </a:p>
+          <a:p>
+            <a:r>
+              <a:rPr lang="ko-KR" altLang="en-US" dirty="0" smtClean="0"/>
+              <a:t>폴더</a:t>
+            </a:r>
+            <a:r>
+              <a:rPr lang="en-US" altLang="ko-KR" dirty="0" smtClean="0"/>
+              <a:t> </a:t>
+            </a:r>
+            <a:r>
+              <a:rPr lang="ko-KR" altLang="en-US" dirty="0" smtClean="0"/>
+              <a:t>삭제</a:t>
+            </a:r>
+            <a:r>
+              <a:rPr lang="en-US" altLang="ko-KR" dirty="0" smtClean="0"/>
+              <a:t> </a:t>
+            </a:r>
+            <a:endParaRPr lang="ko-KR" altLang="en-US" dirty="0"/>
           </a:p>
         </p:txBody>
       </p:sp>
     </p:spTree>
     <p:extLst>
       <p:ext uri="{BB962C8B-B14F-4D97-AF65-F5344CB8AC3E}">
-        <p14:creationId xmlns:p14="http://schemas.microsoft.com/office/powerpoint/2010/main" val="406335709"/>
+        <p14:creationId xmlns:p14="http://schemas.microsoft.com/office/powerpoint/2010/main" val="1159286923"/>
       </p:ext>
     </p:extLst>
   </p:cSld>
@@ -3419,118 +3467,6 @@
         </p:blipFill>
         <p:spPr>
           <a:xfrm>
-            <a:off x="0" y="1288117"/>
-            <a:ext cx="5334000" cy="3915896"/>
-          </a:xfrm>
-          <a:prstGeom prst="rect">
-            <a:avLst/>
-          </a:prstGeom>
-        </p:spPr>
-      </p:pic>
-      <p:sp>
-        <p:nvSpPr>
-          <p:cNvPr id="5" name="TextBox 4"/>
-          <p:cNvSpPr txBox="1"/>
-          <p:nvPr/>
-        </p:nvSpPr>
-        <p:spPr>
-          <a:xfrm>
-            <a:off x="5513294" y="1479176"/>
-            <a:ext cx="3307977" cy="1200329"/>
-          </a:xfrm>
-          <a:prstGeom prst="rect">
-            <a:avLst/>
-          </a:prstGeom>
-          <a:noFill/>
-        </p:spPr>
-        <p:txBody>
-          <a:bodyPr wrap="square" rtlCol="0">
-            <a:spAutoFit/>
-          </a:bodyPr>
-          <a:lstStyle/>
-          <a:p>
-            <a:r>
-              <a:rPr lang="en-US" altLang="ko-KR" dirty="0" smtClean="0"/>
-              <a:t>DB</a:t>
-            </a:r>
-          </a:p>
-          <a:p>
-            <a:endParaRPr lang="en-US" altLang="ko-KR" dirty="0" smtClean="0"/>
-          </a:p>
-          <a:p>
-            <a:r>
-              <a:rPr lang="ko-KR" altLang="en-US" dirty="0" smtClean="0"/>
-              <a:t>폴더 추가</a:t>
-            </a:r>
-            <a:endParaRPr lang="en-US" altLang="ko-KR" dirty="0"/>
-          </a:p>
-          <a:p>
-            <a:r>
-              <a:rPr lang="ko-KR" altLang="en-US" dirty="0" smtClean="0"/>
-              <a:t>폴더</a:t>
-            </a:r>
-            <a:r>
-              <a:rPr lang="en-US" altLang="ko-KR" dirty="0" smtClean="0"/>
-              <a:t> </a:t>
-            </a:r>
-            <a:r>
-              <a:rPr lang="ko-KR" altLang="en-US" dirty="0" smtClean="0"/>
-              <a:t>삭제</a:t>
-            </a:r>
-            <a:r>
-              <a:rPr lang="en-US" altLang="ko-KR" dirty="0" smtClean="0"/>
-              <a:t> </a:t>
-            </a:r>
-            <a:endParaRPr lang="ko-KR" altLang="en-US" dirty="0"/>
-          </a:p>
-        </p:txBody>
-      </p:sp>
-    </p:spTree>
-    <p:extLst>
-      <p:ext uri="{BB962C8B-B14F-4D97-AF65-F5344CB8AC3E}">
-        <p14:creationId xmlns:p14="http://schemas.microsoft.com/office/powerpoint/2010/main" val="1159286923"/>
-      </p:ext>
-    </p:extLst>
-  </p:cSld>
-  <p:clrMapOvr>
-    <a:masterClrMapping/>
-  </p:clrMapOvr>
-</p:sld>
-</file>
-
-<file path=ppt/slides/slide7.xml><?xml version="1.0" encoding="utf-8"?>
-<p:sld xmlns:a="http://schemas.openxmlformats.org/drawingml/2006/main" xmlns:r="http://schemas.openxmlformats.org/officeDocument/2006/relationships" xmlns:p="http://schemas.openxmlformats.org/presentationml/2006/main">
-  <p:cSld>
-    <p:spTree>
-      <p:nvGrpSpPr>
-        <p:cNvPr id="1" name=""/>
-        <p:cNvGrpSpPr/>
-        <p:nvPr/>
-      </p:nvGrpSpPr>
-      <p:grpSpPr>
-        <a:xfrm>
-          <a:off x="0" y="0"/>
-          <a:ext cx="0" cy="0"/>
-          <a:chOff x="0" y="0"/>
-          <a:chExt cx="0" cy="0"/>
-        </a:xfrm>
-      </p:grpSpPr>
-      <p:pic>
-        <p:nvPicPr>
-          <p:cNvPr id="4" name="그림 3"/>
-          <p:cNvPicPr>
-            <a:picLocks noChangeAspect="1"/>
-          </p:cNvPicPr>
-          <p:nvPr/>
-        </p:nvPicPr>
-        <p:blipFill>
-          <a:blip r:embed="rId2"/>
-          <a:stretch>
-            <a:fillRect/>
-          </a:stretch>
-        </p:blipFill>
-        <p:spPr>
-          <a:xfrm>
             <a:off x="0" y="380719"/>
             <a:ext cx="6343650" cy="4886325"/>
           </a:xfrm>
@@ -3599,7 +3535,7 @@
 </p:sld>
 </file>
 
-<file path=ppt/slides/slide8.xml><?xml version="1.0" encoding="utf-8"?>
+<file path=ppt/slides/slide7.xml><?xml version="1.0" encoding="utf-8"?>
 <p:sld xmlns:a="http://schemas.openxmlformats.org/drawingml/2006/main" xmlns:r="http://schemas.openxmlformats.org/officeDocument/2006/relationships" xmlns:p="http://schemas.openxmlformats.org/presentationml/2006/main">
   <p:cSld>
     <p:spTree>

--- a/podo구성안.pptx
+++ b/podo구성안.pptx
@@ -261,7 +261,7 @@
           <a:p>
             <a:fld id="{D228A995-0007-4226-AC0C-30BE480AD2C8}" type="datetimeFigureOut">
               <a:rPr lang="ko-KR" altLang="en-US" smtClean="0"/>
-              <a:t>2021-05-25</a:t>
+              <a:t>2021-06-02</a:t>
             </a:fld>
             <a:endParaRPr lang="ko-KR" altLang="en-US"/>
           </a:p>
@@ -431,7 +431,7 @@
           <a:p>
             <a:fld id="{D228A995-0007-4226-AC0C-30BE480AD2C8}" type="datetimeFigureOut">
               <a:rPr lang="ko-KR" altLang="en-US" smtClean="0"/>
-              <a:t>2021-05-25</a:t>
+              <a:t>2021-06-02</a:t>
             </a:fld>
             <a:endParaRPr lang="ko-KR" altLang="en-US"/>
           </a:p>
@@ -611,7 +611,7 @@
           <a:p>
             <a:fld id="{D228A995-0007-4226-AC0C-30BE480AD2C8}" type="datetimeFigureOut">
               <a:rPr lang="ko-KR" altLang="en-US" smtClean="0"/>
-              <a:t>2021-05-25</a:t>
+              <a:t>2021-06-02</a:t>
             </a:fld>
             <a:endParaRPr lang="ko-KR" altLang="en-US"/>
           </a:p>
@@ -781,7 +781,7 @@
           <a:p>
             <a:fld id="{D228A995-0007-4226-AC0C-30BE480AD2C8}" type="datetimeFigureOut">
               <a:rPr lang="ko-KR" altLang="en-US" smtClean="0"/>
-              <a:t>2021-05-25</a:t>
+              <a:t>2021-06-02</a:t>
             </a:fld>
             <a:endParaRPr lang="ko-KR" altLang="en-US"/>
           </a:p>
@@ -1025,7 +1025,7 @@
           <a:p>
             <a:fld id="{D228A995-0007-4226-AC0C-30BE480AD2C8}" type="datetimeFigureOut">
               <a:rPr lang="ko-KR" altLang="en-US" smtClean="0"/>
-              <a:t>2021-05-25</a:t>
+              <a:t>2021-06-02</a:t>
             </a:fld>
             <a:endParaRPr lang="ko-KR" altLang="en-US"/>
           </a:p>
@@ -1257,7 +1257,7 @@
           <a:p>
             <a:fld id="{D228A995-0007-4226-AC0C-30BE480AD2C8}" type="datetimeFigureOut">
               <a:rPr lang="ko-KR" altLang="en-US" smtClean="0"/>
-              <a:t>2021-05-25</a:t>
+              <a:t>2021-06-02</a:t>
             </a:fld>
             <a:endParaRPr lang="ko-KR" altLang="en-US"/>
           </a:p>
@@ -1624,7 +1624,7 @@
           <a:p>
             <a:fld id="{D228A995-0007-4226-AC0C-30BE480AD2C8}" type="datetimeFigureOut">
               <a:rPr lang="ko-KR" altLang="en-US" smtClean="0"/>
-              <a:t>2021-05-25</a:t>
+              <a:t>2021-06-02</a:t>
             </a:fld>
             <a:endParaRPr lang="ko-KR" altLang="en-US"/>
           </a:p>
@@ -1742,7 +1742,7 @@
           <a:p>
             <a:fld id="{D228A995-0007-4226-AC0C-30BE480AD2C8}" type="datetimeFigureOut">
               <a:rPr lang="ko-KR" altLang="en-US" smtClean="0"/>
-              <a:t>2021-05-25</a:t>
+              <a:t>2021-06-02</a:t>
             </a:fld>
             <a:endParaRPr lang="ko-KR" altLang="en-US"/>
           </a:p>
@@ -1837,7 +1837,7 @@
           <a:p>
             <a:fld id="{D228A995-0007-4226-AC0C-30BE480AD2C8}" type="datetimeFigureOut">
               <a:rPr lang="ko-KR" altLang="en-US" smtClean="0"/>
-              <a:t>2021-05-25</a:t>
+              <a:t>2021-06-02</a:t>
             </a:fld>
             <a:endParaRPr lang="ko-KR" altLang="en-US"/>
           </a:p>
@@ -2114,7 +2114,7 @@
           <a:p>
             <a:fld id="{D228A995-0007-4226-AC0C-30BE480AD2C8}" type="datetimeFigureOut">
               <a:rPr lang="ko-KR" altLang="en-US" smtClean="0"/>
-              <a:t>2021-05-25</a:t>
+              <a:t>2021-06-02</a:t>
             </a:fld>
             <a:endParaRPr lang="ko-KR" altLang="en-US"/>
           </a:p>
@@ -2371,7 +2371,7 @@
           <a:p>
             <a:fld id="{D228A995-0007-4226-AC0C-30BE480AD2C8}" type="datetimeFigureOut">
               <a:rPr lang="ko-KR" altLang="en-US" smtClean="0"/>
-              <a:t>2021-05-25</a:t>
+              <a:t>2021-06-02</a:t>
             </a:fld>
             <a:endParaRPr lang="ko-KR" altLang="en-US"/>
           </a:p>
@@ -2584,7 +2584,7 @@
           <a:p>
             <a:fld id="{D228A995-0007-4226-AC0C-30BE480AD2C8}" type="datetimeFigureOut">
               <a:rPr lang="ko-KR" altLang="en-US" smtClean="0"/>
-              <a:t>2021-05-25</a:t>
+              <a:t>2021-06-02</a:t>
             </a:fld>
             <a:endParaRPr lang="ko-KR" altLang="en-US"/>
           </a:p>
@@ -3372,7 +3372,7 @@
         <p:spPr>
           <a:xfrm>
             <a:off x="5513294" y="1479176"/>
-            <a:ext cx="3307977" cy="1200329"/>
+            <a:ext cx="3307977" cy="1477328"/>
           </a:xfrm>
           <a:prstGeom prst="rect">
             <a:avLst/>
@@ -3396,8 +3396,18 @@
           <a:p>
             <a:r>
               <a:rPr lang="ko-KR" altLang="en-US" dirty="0" smtClean="0"/>
-              <a:t>폴더 추가</a:t>
-            </a:r>
+              <a:t>폴더 </a:t>
+            </a:r>
+            <a:r>
+              <a:rPr lang="ko-KR" altLang="en-US" dirty="0" smtClean="0"/>
+              <a:t>추가 </a:t>
+            </a:r>
+            <a:r>
+              <a:rPr lang="en-US" altLang="ko-KR" dirty="0" smtClean="0"/>
+              <a:t>1~10 </a:t>
+            </a:r>
+          </a:p>
+          <a:p>
             <a:endParaRPr lang="en-US" altLang="ko-KR" dirty="0"/>
           </a:p>
           <a:p>

--- a/podo구성안.pptx
+++ b/podo구성안.pptx
@@ -12,6 +12,7 @@
     <p:sldId id="261" r:id="rId6"/>
     <p:sldId id="262" r:id="rId7"/>
     <p:sldId id="263" r:id="rId8"/>
+    <p:sldId id="264" r:id="rId9"/>
   </p:sldIdLst>
   <p:sldSz cx="9144000" cy="6858000" type="screen4x3"/>
   <p:notesSz cx="6858000" cy="9144000"/>
@@ -261,7 +262,7 @@
           <a:p>
             <a:fld id="{D228A995-0007-4226-AC0C-30BE480AD2C8}" type="datetimeFigureOut">
               <a:rPr lang="ko-KR" altLang="en-US" smtClean="0"/>
-              <a:t>2021-06-02</a:t>
+              <a:t>2021-06-12</a:t>
             </a:fld>
             <a:endParaRPr lang="ko-KR" altLang="en-US"/>
           </a:p>
@@ -431,7 +432,7 @@
           <a:p>
             <a:fld id="{D228A995-0007-4226-AC0C-30BE480AD2C8}" type="datetimeFigureOut">
               <a:rPr lang="ko-KR" altLang="en-US" smtClean="0"/>
-              <a:t>2021-06-02</a:t>
+              <a:t>2021-06-12</a:t>
             </a:fld>
             <a:endParaRPr lang="ko-KR" altLang="en-US"/>
           </a:p>
@@ -611,7 +612,7 @@
           <a:p>
             <a:fld id="{D228A995-0007-4226-AC0C-30BE480AD2C8}" type="datetimeFigureOut">
               <a:rPr lang="ko-KR" altLang="en-US" smtClean="0"/>
-              <a:t>2021-06-02</a:t>
+              <a:t>2021-06-12</a:t>
             </a:fld>
             <a:endParaRPr lang="ko-KR" altLang="en-US"/>
           </a:p>
@@ -781,7 +782,7 @@
           <a:p>
             <a:fld id="{D228A995-0007-4226-AC0C-30BE480AD2C8}" type="datetimeFigureOut">
               <a:rPr lang="ko-KR" altLang="en-US" smtClean="0"/>
-              <a:t>2021-06-02</a:t>
+              <a:t>2021-06-12</a:t>
             </a:fld>
             <a:endParaRPr lang="ko-KR" altLang="en-US"/>
           </a:p>
@@ -1025,7 +1026,7 @@
           <a:p>
             <a:fld id="{D228A995-0007-4226-AC0C-30BE480AD2C8}" type="datetimeFigureOut">
               <a:rPr lang="ko-KR" altLang="en-US" smtClean="0"/>
-              <a:t>2021-06-02</a:t>
+              <a:t>2021-06-12</a:t>
             </a:fld>
             <a:endParaRPr lang="ko-KR" altLang="en-US"/>
           </a:p>
@@ -1257,7 +1258,7 @@
           <a:p>
             <a:fld id="{D228A995-0007-4226-AC0C-30BE480AD2C8}" type="datetimeFigureOut">
               <a:rPr lang="ko-KR" altLang="en-US" smtClean="0"/>
-              <a:t>2021-06-02</a:t>
+              <a:t>2021-06-12</a:t>
             </a:fld>
             <a:endParaRPr lang="ko-KR" altLang="en-US"/>
           </a:p>
@@ -1624,7 +1625,7 @@
           <a:p>
             <a:fld id="{D228A995-0007-4226-AC0C-30BE480AD2C8}" type="datetimeFigureOut">
               <a:rPr lang="ko-KR" altLang="en-US" smtClean="0"/>
-              <a:t>2021-06-02</a:t>
+              <a:t>2021-06-12</a:t>
             </a:fld>
             <a:endParaRPr lang="ko-KR" altLang="en-US"/>
           </a:p>
@@ -1742,7 +1743,7 @@
           <a:p>
             <a:fld id="{D228A995-0007-4226-AC0C-30BE480AD2C8}" type="datetimeFigureOut">
               <a:rPr lang="ko-KR" altLang="en-US" smtClean="0"/>
-              <a:t>2021-06-02</a:t>
+              <a:t>2021-06-12</a:t>
             </a:fld>
             <a:endParaRPr lang="ko-KR" altLang="en-US"/>
           </a:p>
@@ -1837,7 +1838,7 @@
           <a:p>
             <a:fld id="{D228A995-0007-4226-AC0C-30BE480AD2C8}" type="datetimeFigureOut">
               <a:rPr lang="ko-KR" altLang="en-US" smtClean="0"/>
-              <a:t>2021-06-02</a:t>
+              <a:t>2021-06-12</a:t>
             </a:fld>
             <a:endParaRPr lang="ko-KR" altLang="en-US"/>
           </a:p>
@@ -2114,7 +2115,7 @@
           <a:p>
             <a:fld id="{D228A995-0007-4226-AC0C-30BE480AD2C8}" type="datetimeFigureOut">
               <a:rPr lang="ko-KR" altLang="en-US" smtClean="0"/>
-              <a:t>2021-06-02</a:t>
+              <a:t>2021-06-12</a:t>
             </a:fld>
             <a:endParaRPr lang="ko-KR" altLang="en-US"/>
           </a:p>
@@ -2371,7 +2372,7 @@
           <a:p>
             <a:fld id="{D228A995-0007-4226-AC0C-30BE480AD2C8}" type="datetimeFigureOut">
               <a:rPr lang="ko-KR" altLang="en-US" smtClean="0"/>
-              <a:t>2021-06-02</a:t>
+              <a:t>2021-06-12</a:t>
             </a:fld>
             <a:endParaRPr lang="ko-KR" altLang="en-US"/>
           </a:p>
@@ -2584,7 +2585,7 @@
           <a:p>
             <a:fld id="{D228A995-0007-4226-AC0C-30BE480AD2C8}" type="datetimeFigureOut">
               <a:rPr lang="ko-KR" altLang="en-US" smtClean="0"/>
-              <a:t>2021-06-02</a:t>
+              <a:t>2021-06-12</a:t>
             </a:fld>
             <a:endParaRPr lang="ko-KR" altLang="en-US"/>
           </a:p>
@@ -3396,11 +3397,7 @@
           <a:p>
             <a:r>
               <a:rPr lang="ko-KR" altLang="en-US" dirty="0" smtClean="0"/>
-              <a:t>폴더 </a:t>
-            </a:r>
-            <a:r>
-              <a:rPr lang="ko-KR" altLang="en-US" dirty="0" smtClean="0"/>
-              <a:t>추가 </a:t>
+              <a:t>폴더 추가 </a:t>
             </a:r>
             <a:r>
               <a:rPr lang="en-US" altLang="ko-KR" dirty="0" smtClean="0"/>
@@ -3666,6 +3663,339 @@
     <p:extLst>
       <p:ext uri="{BB962C8B-B14F-4D97-AF65-F5344CB8AC3E}">
         <p14:creationId xmlns:p14="http://schemas.microsoft.com/office/powerpoint/2010/main" val="3443350093"/>
+      </p:ext>
+    </p:extLst>
+  </p:cSld>
+  <p:clrMapOvr>
+    <a:masterClrMapping/>
+  </p:clrMapOvr>
+</p:sld>
+</file>
+
+<file path=ppt/slides/slide8.xml><?xml version="1.0" encoding="utf-8"?>
+<p:sld xmlns:a="http://schemas.openxmlformats.org/drawingml/2006/main" xmlns:r="http://schemas.openxmlformats.org/officeDocument/2006/relationships" xmlns:p="http://schemas.openxmlformats.org/presentationml/2006/main">
+  <p:cSld>
+    <p:spTree>
+      <p:nvGrpSpPr>
+        <p:cNvPr id="1" name=""/>
+        <p:cNvGrpSpPr/>
+        <p:nvPr/>
+      </p:nvGrpSpPr>
+      <p:grpSpPr>
+        <a:xfrm>
+          <a:off x="0" y="0"/>
+          <a:ext cx="0" cy="0"/>
+          <a:chOff x="0" y="0"/>
+          <a:chExt cx="0" cy="0"/>
+        </a:xfrm>
+      </p:grpSpPr>
+      <p:graphicFrame>
+        <p:nvGraphicFramePr>
+          <p:cNvPr id="4" name="표 3"/>
+          <p:cNvGraphicFramePr>
+            <a:graphicFrameLocks noGrp="1"/>
+          </p:cNvGraphicFramePr>
+          <p:nvPr>
+            <p:extLst>
+              <p:ext uri="{D42A27DB-BD31-4B8C-83A1-F6EECF244321}">
+                <p14:modId xmlns:p14="http://schemas.microsoft.com/office/powerpoint/2010/main" val="3748515371"/>
+              </p:ext>
+            </p:extLst>
+          </p:nvPr>
+        </p:nvGraphicFramePr>
+        <p:xfrm>
+          <a:off x="1524000" y="1397000"/>
+          <a:ext cx="6096000" cy="2225040"/>
+        </p:xfrm>
+        <a:graphic>
+          <a:graphicData uri="http://schemas.openxmlformats.org/drawingml/2006/table">
+            <a:tbl>
+              <a:tblPr firstRow="1" bandRow="1">
+                <a:tableStyleId>{5C22544A-7EE6-4342-B048-85BDC9FD1C3A}</a:tableStyleId>
+              </a:tblPr>
+              <a:tblGrid>
+                <a:gridCol w="2032000">
+                  <a:extLst>
+                    <a:ext uri="{9D8B030D-6E8A-4147-A177-3AD203B41FA5}">
+                      <a16:colId xmlns:a16="http://schemas.microsoft.com/office/drawing/2014/main" val="737770849"/>
+                    </a:ext>
+                  </a:extLst>
+                </a:gridCol>
+                <a:gridCol w="2032000">
+                  <a:extLst>
+                    <a:ext uri="{9D8B030D-6E8A-4147-A177-3AD203B41FA5}">
+                      <a16:colId xmlns:a16="http://schemas.microsoft.com/office/drawing/2014/main" val="484558317"/>
+                    </a:ext>
+                  </a:extLst>
+                </a:gridCol>
+                <a:gridCol w="2032000">
+                  <a:extLst>
+                    <a:ext uri="{9D8B030D-6E8A-4147-A177-3AD203B41FA5}">
+                      <a16:colId xmlns:a16="http://schemas.microsoft.com/office/drawing/2014/main" val="973193697"/>
+                    </a:ext>
+                  </a:extLst>
+                </a:gridCol>
+              </a:tblGrid>
+              <a:tr h="370840">
+                <a:tc>
+                  <a:txBody>
+                    <a:bodyPr/>
+                    <a:lstStyle/>
+                    <a:p>
+                      <a:pPr latinLnBrk="1"/>
+                      <a:r>
+                        <a:rPr lang="en-US" altLang="ko-KR" dirty="0" smtClean="0"/>
+                        <a:t>Date</a:t>
+                      </a:r>
+                      <a:endParaRPr lang="ko-KR" altLang="en-US" dirty="0"/>
+                    </a:p>
+                  </a:txBody>
+                  <a:tcPr/>
+                </a:tc>
+                <a:tc>
+                  <a:txBody>
+                    <a:bodyPr/>
+                    <a:lstStyle/>
+                    <a:p>
+                      <a:pPr latinLnBrk="1"/>
+                      <a:r>
+                        <a:rPr lang="ko-KR" altLang="en-US" dirty="0" smtClean="0"/>
+                        <a:t>핵심 키워드</a:t>
+                      </a:r>
+                      <a:endParaRPr lang="ko-KR" altLang="en-US" dirty="0"/>
+                    </a:p>
+                  </a:txBody>
+                  <a:tcPr/>
+                </a:tc>
+                <a:tc>
+                  <a:txBody>
+                    <a:bodyPr/>
+                    <a:lstStyle/>
+                    <a:p>
+                      <a:pPr latinLnBrk="1"/>
+                      <a:r>
+                        <a:rPr lang="ko-KR" altLang="en-US" dirty="0" smtClean="0"/>
+                        <a:t>감정</a:t>
+                      </a:r>
+                      <a:endParaRPr lang="ko-KR" altLang="en-US" dirty="0"/>
+                    </a:p>
+                  </a:txBody>
+                  <a:tcPr/>
+                </a:tc>
+                <a:extLst>
+                  <a:ext uri="{0D108BD9-81ED-4DB2-BD59-A6C34878D82A}">
+                    <a16:rowId xmlns:a16="http://schemas.microsoft.com/office/drawing/2014/main" val="2638153910"/>
+                  </a:ext>
+                </a:extLst>
+              </a:tr>
+              <a:tr h="370840">
+                <a:tc>
+                  <a:txBody>
+                    <a:bodyPr/>
+                    <a:lstStyle/>
+                    <a:p>
+                      <a:pPr latinLnBrk="1"/>
+                      <a:endParaRPr lang="ko-KR" altLang="en-US" dirty="0"/>
+                    </a:p>
+                  </a:txBody>
+                  <a:tcPr/>
+                </a:tc>
+                <a:tc>
+                  <a:txBody>
+                    <a:bodyPr/>
+                    <a:lstStyle/>
+                    <a:p>
+                      <a:pPr latinLnBrk="1"/>
+                      <a:endParaRPr lang="ko-KR" altLang="en-US" dirty="0"/>
+                    </a:p>
+                  </a:txBody>
+                  <a:tcPr/>
+                </a:tc>
+                <a:tc>
+                  <a:txBody>
+                    <a:bodyPr/>
+                    <a:lstStyle/>
+                    <a:p>
+                      <a:pPr latinLnBrk="1"/>
+                      <a:endParaRPr lang="ko-KR" altLang="en-US"/>
+                    </a:p>
+                  </a:txBody>
+                  <a:tcPr/>
+                </a:tc>
+                <a:extLst>
+                  <a:ext uri="{0D108BD9-81ED-4DB2-BD59-A6C34878D82A}">
+                    <a16:rowId xmlns:a16="http://schemas.microsoft.com/office/drawing/2014/main" val="188378725"/>
+                  </a:ext>
+                </a:extLst>
+              </a:tr>
+              <a:tr h="370840">
+                <a:tc>
+                  <a:txBody>
+                    <a:bodyPr/>
+                    <a:lstStyle/>
+                    <a:p>
+                      <a:pPr latinLnBrk="1"/>
+                      <a:endParaRPr lang="ko-KR" altLang="en-US"/>
+                    </a:p>
+                  </a:txBody>
+                  <a:tcPr/>
+                </a:tc>
+                <a:tc>
+                  <a:txBody>
+                    <a:bodyPr/>
+                    <a:lstStyle/>
+                    <a:p>
+                      <a:pPr latinLnBrk="1"/>
+                      <a:endParaRPr lang="ko-KR" altLang="en-US"/>
+                    </a:p>
+                  </a:txBody>
+                  <a:tcPr/>
+                </a:tc>
+                <a:tc>
+                  <a:txBody>
+                    <a:bodyPr/>
+                    <a:lstStyle/>
+                    <a:p>
+                      <a:pPr latinLnBrk="1"/>
+                      <a:endParaRPr lang="ko-KR" altLang="en-US"/>
+                    </a:p>
+                  </a:txBody>
+                  <a:tcPr/>
+                </a:tc>
+                <a:extLst>
+                  <a:ext uri="{0D108BD9-81ED-4DB2-BD59-A6C34878D82A}">
+                    <a16:rowId xmlns:a16="http://schemas.microsoft.com/office/drawing/2014/main" val="2579542188"/>
+                  </a:ext>
+                </a:extLst>
+              </a:tr>
+              <a:tr h="370840">
+                <a:tc>
+                  <a:txBody>
+                    <a:bodyPr/>
+                    <a:lstStyle/>
+                    <a:p>
+                      <a:pPr latinLnBrk="1"/>
+                      <a:endParaRPr lang="ko-KR" altLang="en-US"/>
+                    </a:p>
+                  </a:txBody>
+                  <a:tcPr/>
+                </a:tc>
+                <a:tc>
+                  <a:txBody>
+                    <a:bodyPr/>
+                    <a:lstStyle/>
+                    <a:p>
+                      <a:pPr latinLnBrk="1"/>
+                      <a:endParaRPr lang="ko-KR" altLang="en-US"/>
+                    </a:p>
+                  </a:txBody>
+                  <a:tcPr/>
+                </a:tc>
+                <a:tc>
+                  <a:txBody>
+                    <a:bodyPr/>
+                    <a:lstStyle/>
+                    <a:p>
+                      <a:pPr latinLnBrk="1"/>
+                      <a:endParaRPr lang="ko-KR" altLang="en-US"/>
+                    </a:p>
+                  </a:txBody>
+                  <a:tcPr/>
+                </a:tc>
+                <a:extLst>
+                  <a:ext uri="{0D108BD9-81ED-4DB2-BD59-A6C34878D82A}">
+                    <a16:rowId xmlns:a16="http://schemas.microsoft.com/office/drawing/2014/main" val="3931718254"/>
+                  </a:ext>
+                </a:extLst>
+              </a:tr>
+              <a:tr h="370840">
+                <a:tc>
+                  <a:txBody>
+                    <a:bodyPr/>
+                    <a:lstStyle/>
+                    <a:p>
+                      <a:pPr latinLnBrk="1"/>
+                      <a:endParaRPr lang="ko-KR" altLang="en-US"/>
+                    </a:p>
+                  </a:txBody>
+                  <a:tcPr/>
+                </a:tc>
+                <a:tc>
+                  <a:txBody>
+                    <a:bodyPr/>
+                    <a:lstStyle/>
+                    <a:p>
+                      <a:pPr latinLnBrk="1"/>
+                      <a:endParaRPr lang="ko-KR" altLang="en-US"/>
+                    </a:p>
+                  </a:txBody>
+                  <a:tcPr/>
+                </a:tc>
+                <a:tc>
+                  <a:txBody>
+                    <a:bodyPr/>
+                    <a:lstStyle/>
+                    <a:p>
+                      <a:pPr latinLnBrk="1"/>
+                      <a:endParaRPr lang="ko-KR" altLang="en-US"/>
+                    </a:p>
+                  </a:txBody>
+                  <a:tcPr/>
+                </a:tc>
+                <a:extLst>
+                  <a:ext uri="{0D108BD9-81ED-4DB2-BD59-A6C34878D82A}">
+                    <a16:rowId xmlns:a16="http://schemas.microsoft.com/office/drawing/2014/main" val="2530830296"/>
+                  </a:ext>
+                </a:extLst>
+              </a:tr>
+              <a:tr h="370840">
+                <a:tc>
+                  <a:txBody>
+                    <a:bodyPr/>
+                    <a:lstStyle/>
+                    <a:p>
+                      <a:pPr latinLnBrk="1"/>
+                      <a:endParaRPr lang="ko-KR" altLang="en-US"/>
+                    </a:p>
+                  </a:txBody>
+                  <a:tcPr/>
+                </a:tc>
+                <a:tc>
+                  <a:txBody>
+                    <a:bodyPr/>
+                    <a:lstStyle/>
+                    <a:p>
+                      <a:pPr latinLnBrk="1"/>
+                      <a:endParaRPr lang="ko-KR" altLang="en-US"/>
+                    </a:p>
+                  </a:txBody>
+                  <a:tcPr/>
+                </a:tc>
+                <a:tc>
+                  <a:txBody>
+                    <a:bodyPr/>
+                    <a:lstStyle/>
+                    <a:p>
+                      <a:pPr latinLnBrk="1"/>
+                      <a:endParaRPr lang="ko-KR" altLang="en-US" dirty="0"/>
+                    </a:p>
+                  </a:txBody>
+                  <a:tcPr/>
+                </a:tc>
+                <a:extLst>
+                  <a:ext uri="{0D108BD9-81ED-4DB2-BD59-A6C34878D82A}">
+                    <a16:rowId xmlns:a16="http://schemas.microsoft.com/office/drawing/2014/main" val="3288227756"/>
+                  </a:ext>
+                </a:extLst>
+              </a:tr>
+            </a:tbl>
+          </a:graphicData>
+        </a:graphic>
+      </p:graphicFrame>
+    </p:spTree>
+    <p:extLst>
+      <p:ext uri="{BB962C8B-B14F-4D97-AF65-F5344CB8AC3E}">
+        <p14:creationId xmlns:p14="http://schemas.microsoft.com/office/powerpoint/2010/main" val="1320836240"/>
       </p:ext>
     </p:extLst>
   </p:cSld>
